--- a/templates/Marxist.pptx
+++ b/templates/Marxist.pptx
@@ -5,10 +5,10 @@
     <p:sldMasterId id="2147483648" r:id="rId1"/>
   </p:sldMasterIdLst>
   <p:notesMasterIdLst>
-    <p:notesMasterId r:id="rId3"/>
+    <p:notesMasterId r:id="rId2"/>
   </p:notesMasterIdLst>
   <p:handoutMasterIdLst>
-    <p:handoutMasterId r:id="rId4"/>
+    <p:handoutMasterId r:id="rId3"/>
   </p:handoutMasterIdLst>
   <p:sldSz cx="12192000" cy="6858000"/>
   <p:notesSz cx="6858000" cy="9144000"/>
@@ -107,7 +107,221 @@
       </a:defRPr>
     </a:lvl9pPr>
   </p:defaultTextStyle>
+  <p:extLst>
+    <p:ext uri="{EFAFB233-063F-42B5-8137-9DF3F51BA10A}">
+      <p15:sldGuideLst xmlns:p15="http://schemas.microsoft.com/office/powerpoint/2012/main">
+        <p15:guide id="1" orient="horz" pos="2160">
+          <p15:clr>
+            <a:srgbClr val="A4A3A4"/>
+          </p15:clr>
+        </p15:guide>
+        <p15:guide id="2" pos="3801">
+          <p15:clr>
+            <a:srgbClr val="A4A3A4"/>
+          </p15:clr>
+        </p15:guide>
+      </p15:sldGuideLst>
+    </p:ext>
+    <p:ext uri="{2D200454-40CA-4A62-9FC3-DE9A4176ACB9}">
+      <p15:notesGuideLst xmlns:p15="http://schemas.microsoft.com/office/powerpoint/2012/main"/>
+    </p:ext>
+  </p:extLst>
 </p:presentation>
+</file>
+
+<file path=ppt/revisionInfo.xml><?xml version="1.0" encoding="utf-8"?>
+<p1510:revInfo xmlns:a="http://schemas.openxmlformats.org/drawingml/2006/main" xmlns:r="http://schemas.openxmlformats.org/officeDocument/2006/relationships" xmlns:p1510="http://schemas.microsoft.com/office/powerpoint/2015/10/main">
+  <p1510:revLst>
+    <p1510:client id="{CAF122D9-8EBA-C846-9BA3-B8E3B97E9F94}" v="9" dt="2022-04-03T06:38:36.448"/>
+  </p1510:revLst>
+</p1510:revInfo>
+</file>
+
+<file path=ppt/changesInfos/changesInfo1.xml><?xml version="1.0" encoding="utf-8"?>
+<pc:chgInfo xmlns:a="http://schemas.openxmlformats.org/drawingml/2006/main" xmlns:r="http://schemas.openxmlformats.org/officeDocument/2006/relationships" xmlns:ac="http://schemas.microsoft.com/office/drawing/2013/main/command" xmlns:pc="http://schemas.microsoft.com/office/powerpoint/2013/main/command">
+  <pc:docChgLst>
+    <pc:chgData name="LIU, Qilong Kirov [Student]" userId="4507375a-4a4a-4dd8-b55f-c0bde07fc75c" providerId="ADAL" clId="{CAF122D9-8EBA-C846-9BA3-B8E3B97E9F94}"/>
+    <pc:docChg chg="modMainMaster">
+      <pc:chgData name="LIU, Qilong Kirov [Student]" userId="4507375a-4a4a-4dd8-b55f-c0bde07fc75c" providerId="ADAL" clId="{CAF122D9-8EBA-C846-9BA3-B8E3B97E9F94}" dt="2022-04-03T06:39:53.198" v="141" actId="1038"/>
+      <pc:docMkLst>
+        <pc:docMk/>
+      </pc:docMkLst>
+      <pc:sldMasterChg chg="modSldLayout">
+        <pc:chgData name="LIU, Qilong Kirov [Student]" userId="4507375a-4a4a-4dd8-b55f-c0bde07fc75c" providerId="ADAL" clId="{CAF122D9-8EBA-C846-9BA3-B8E3B97E9F94}" dt="2022-04-03T06:39:53.198" v="141" actId="1038"/>
+        <pc:sldMasterMkLst>
+          <pc:docMk/>
+          <pc:sldMasterMk cId="0" sldId="2147483648"/>
+        </pc:sldMasterMkLst>
+        <pc:sldLayoutChg chg="modSp mod">
+          <pc:chgData name="LIU, Qilong Kirov [Student]" userId="4507375a-4a4a-4dd8-b55f-c0bde07fc75c" providerId="ADAL" clId="{CAF122D9-8EBA-C846-9BA3-B8E3B97E9F94}" dt="2022-04-03T06:39:53.198" v="141" actId="1038"/>
+          <pc:sldLayoutMkLst>
+            <pc:docMk/>
+            <pc:sldMasterMk cId="0" sldId="2147483648"/>
+            <pc:sldLayoutMk cId="0" sldId="2147483649"/>
+          </pc:sldLayoutMkLst>
+          <pc:spChg chg="mod">
+            <ac:chgData name="LIU, Qilong Kirov [Student]" userId="4507375a-4a4a-4dd8-b55f-c0bde07fc75c" providerId="ADAL" clId="{CAF122D9-8EBA-C846-9BA3-B8E3B97E9F94}" dt="2022-04-03T06:37:43.454" v="81" actId="2711"/>
+            <ac:spMkLst>
+              <pc:docMk/>
+              <pc:sldMasterMk cId="0" sldId="2147483648"/>
+              <pc:sldLayoutMk cId="0" sldId="2147483649"/>
+              <ac:spMk id="4" creationId="{00000000-0000-0000-0000-000000000000}"/>
+            </ac:spMkLst>
+          </pc:spChg>
+          <pc:spChg chg="mod">
+            <ac:chgData name="LIU, Qilong Kirov [Student]" userId="4507375a-4a4a-4dd8-b55f-c0bde07fc75c" providerId="ADAL" clId="{CAF122D9-8EBA-C846-9BA3-B8E3B97E9F94}" dt="2022-04-03T06:37:52.538" v="82" actId="2711"/>
+            <ac:spMkLst>
+              <pc:docMk/>
+              <pc:sldMasterMk cId="0" sldId="2147483648"/>
+              <pc:sldLayoutMk cId="0" sldId="2147483649"/>
+              <ac:spMk id="7" creationId="{00000000-0000-0000-0000-000000000000}"/>
+            </ac:spMkLst>
+          </pc:spChg>
+          <pc:spChg chg="mod">
+            <ac:chgData name="LIU, Qilong Kirov [Student]" userId="4507375a-4a4a-4dd8-b55f-c0bde07fc75c" providerId="ADAL" clId="{CAF122D9-8EBA-C846-9BA3-B8E3B97E9F94}" dt="2022-04-03T06:36:08.728" v="54" actId="1035"/>
+            <ac:spMkLst>
+              <pc:docMk/>
+              <pc:sldMasterMk cId="0" sldId="2147483648"/>
+              <pc:sldLayoutMk cId="0" sldId="2147483649"/>
+              <ac:spMk id="9" creationId="{00000000-0000-0000-0000-000000000000}"/>
+            </ac:spMkLst>
+          </pc:spChg>
+          <pc:spChg chg="mod">
+            <ac:chgData name="LIU, Qilong Kirov [Student]" userId="4507375a-4a4a-4dd8-b55f-c0bde07fc75c" providerId="ADAL" clId="{CAF122D9-8EBA-C846-9BA3-B8E3B97E9F94}" dt="2022-04-03T06:37:58.119" v="83" actId="2711"/>
+            <ac:spMkLst>
+              <pc:docMk/>
+              <pc:sldMasterMk cId="0" sldId="2147483648"/>
+              <pc:sldLayoutMk cId="0" sldId="2147483649"/>
+              <ac:spMk id="14" creationId="{00000000-0000-0000-0000-000000000000}"/>
+            </ac:spMkLst>
+          </pc:spChg>
+          <pc:picChg chg="mod">
+            <ac:chgData name="LIU, Qilong Kirov [Student]" userId="4507375a-4a4a-4dd8-b55f-c0bde07fc75c" providerId="ADAL" clId="{CAF122D9-8EBA-C846-9BA3-B8E3B97E9F94}" dt="2022-04-03T06:39:23.105" v="126" actId="1038"/>
+            <ac:picMkLst>
+              <pc:docMk/>
+              <pc:sldMasterMk cId="0" sldId="2147483648"/>
+              <pc:sldLayoutMk cId="0" sldId="2147483649"/>
+              <ac:picMk id="5" creationId="{00000000-0000-0000-0000-000000000000}"/>
+            </ac:picMkLst>
+          </pc:picChg>
+          <pc:picChg chg="mod">
+            <ac:chgData name="LIU, Qilong Kirov [Student]" userId="4507375a-4a4a-4dd8-b55f-c0bde07fc75c" providerId="ADAL" clId="{CAF122D9-8EBA-C846-9BA3-B8E3B97E9F94}" dt="2022-04-03T06:37:13.798" v="79" actId="1076"/>
+            <ac:picMkLst>
+              <pc:docMk/>
+              <pc:sldMasterMk cId="0" sldId="2147483648"/>
+              <pc:sldLayoutMk cId="0" sldId="2147483649"/>
+              <ac:picMk id="10" creationId="{00000000-0000-0000-0000-000000000000}"/>
+            </ac:picMkLst>
+          </pc:picChg>
+          <pc:picChg chg="mod">
+            <ac:chgData name="LIU, Qilong Kirov [Student]" userId="4507375a-4a4a-4dd8-b55f-c0bde07fc75c" providerId="ADAL" clId="{CAF122D9-8EBA-C846-9BA3-B8E3B97E9F94}" dt="2022-04-03T06:39:53.198" v="141" actId="1038"/>
+            <ac:picMkLst>
+              <pc:docMk/>
+              <pc:sldMasterMk cId="0" sldId="2147483648"/>
+              <pc:sldLayoutMk cId="0" sldId="2147483649"/>
+              <ac:picMk id="18" creationId="{00000000-0000-0000-0000-000000000000}"/>
+            </ac:picMkLst>
+          </pc:picChg>
+          <pc:picChg chg="mod">
+            <ac:chgData name="LIU, Qilong Kirov [Student]" userId="4507375a-4a4a-4dd8-b55f-c0bde07fc75c" providerId="ADAL" clId="{CAF122D9-8EBA-C846-9BA3-B8E3B97E9F94}" dt="2022-04-03T06:37:08.875" v="78" actId="1076"/>
+            <ac:picMkLst>
+              <pc:docMk/>
+              <pc:sldMasterMk cId="0" sldId="2147483648"/>
+              <pc:sldLayoutMk cId="0" sldId="2147483649"/>
+              <ac:picMk id="20" creationId="{00000000-0000-0000-0000-000000000000}"/>
+            </ac:picMkLst>
+          </pc:picChg>
+        </pc:sldLayoutChg>
+        <pc:sldLayoutChg chg="modSp">
+          <pc:chgData name="LIU, Qilong Kirov [Student]" userId="4507375a-4a4a-4dd8-b55f-c0bde07fc75c" providerId="ADAL" clId="{CAF122D9-8EBA-C846-9BA3-B8E3B97E9F94}" dt="2022-04-03T06:38:09.560" v="85" actId="2711"/>
+          <pc:sldLayoutMkLst>
+            <pc:docMk/>
+            <pc:sldMasterMk cId="0" sldId="2147483648"/>
+            <pc:sldLayoutMk cId="0" sldId="2147483650"/>
+          </pc:sldLayoutMkLst>
+          <pc:spChg chg="mod">
+            <ac:chgData name="LIU, Qilong Kirov [Student]" userId="4507375a-4a4a-4dd8-b55f-c0bde07fc75c" providerId="ADAL" clId="{CAF122D9-8EBA-C846-9BA3-B8E3B97E9F94}" dt="2022-04-03T06:38:09.560" v="85" actId="2711"/>
+            <ac:spMkLst>
+              <pc:docMk/>
+              <pc:sldMasterMk cId="0" sldId="2147483648"/>
+              <pc:sldLayoutMk cId="0" sldId="2147483650"/>
+              <ac:spMk id="5" creationId="{00000000-0000-0000-0000-000000000000}"/>
+            </ac:spMkLst>
+          </pc:spChg>
+          <pc:spChg chg="mod">
+            <ac:chgData name="LIU, Qilong Kirov [Student]" userId="4507375a-4a4a-4dd8-b55f-c0bde07fc75c" providerId="ADAL" clId="{CAF122D9-8EBA-C846-9BA3-B8E3B97E9F94}" dt="2022-04-03T06:38:04.638" v="84" actId="2711"/>
+            <ac:spMkLst>
+              <pc:docMk/>
+              <pc:sldMasterMk cId="0" sldId="2147483648"/>
+              <pc:sldLayoutMk cId="0" sldId="2147483650"/>
+              <ac:spMk id="6" creationId="{00000000-0000-0000-0000-000000000000}"/>
+            </ac:spMkLst>
+          </pc:spChg>
+        </pc:sldLayoutChg>
+        <pc:sldLayoutChg chg="modSp">
+          <pc:chgData name="LIU, Qilong Kirov [Student]" userId="4507375a-4a4a-4dd8-b55f-c0bde07fc75c" providerId="ADAL" clId="{CAF122D9-8EBA-C846-9BA3-B8E3B97E9F94}" dt="2022-04-03T06:38:23.288" v="87" actId="2711"/>
+          <pc:sldLayoutMkLst>
+            <pc:docMk/>
+            <pc:sldMasterMk cId="0" sldId="2147483648"/>
+            <pc:sldLayoutMk cId="0" sldId="2147483651"/>
+          </pc:sldLayoutMkLst>
+          <pc:spChg chg="mod">
+            <ac:chgData name="LIU, Qilong Kirov [Student]" userId="4507375a-4a4a-4dd8-b55f-c0bde07fc75c" providerId="ADAL" clId="{CAF122D9-8EBA-C846-9BA3-B8E3B97E9F94}" dt="2022-04-03T06:38:17.310" v="86" actId="2711"/>
+            <ac:spMkLst>
+              <pc:docMk/>
+              <pc:sldMasterMk cId="0" sldId="2147483648"/>
+              <pc:sldLayoutMk cId="0" sldId="2147483651"/>
+              <ac:spMk id="6" creationId="{00000000-0000-0000-0000-000000000000}"/>
+            </ac:spMkLst>
+          </pc:spChg>
+          <pc:spChg chg="mod">
+            <ac:chgData name="LIU, Qilong Kirov [Student]" userId="4507375a-4a4a-4dd8-b55f-c0bde07fc75c" providerId="ADAL" clId="{CAF122D9-8EBA-C846-9BA3-B8E3B97E9F94}" dt="2022-04-03T06:38:23.288" v="87" actId="2711"/>
+            <ac:spMkLst>
+              <pc:docMk/>
+              <pc:sldMasterMk cId="0" sldId="2147483648"/>
+              <pc:sldLayoutMk cId="0" sldId="2147483651"/>
+              <ac:spMk id="9" creationId="{00000000-0000-0000-0000-000000000000}"/>
+            </ac:spMkLst>
+          </pc:spChg>
+        </pc:sldLayoutChg>
+        <pc:sldLayoutChg chg="modSp">
+          <pc:chgData name="LIU, Qilong Kirov [Student]" userId="4507375a-4a4a-4dd8-b55f-c0bde07fc75c" providerId="ADAL" clId="{CAF122D9-8EBA-C846-9BA3-B8E3B97E9F94}" dt="2022-04-03T06:38:27.665" v="88" actId="2711"/>
+          <pc:sldLayoutMkLst>
+            <pc:docMk/>
+            <pc:sldMasterMk cId="0" sldId="2147483648"/>
+            <pc:sldLayoutMk cId="0" sldId="2147483652"/>
+          </pc:sldLayoutMkLst>
+          <pc:spChg chg="mod">
+            <ac:chgData name="LIU, Qilong Kirov [Student]" userId="4507375a-4a4a-4dd8-b55f-c0bde07fc75c" providerId="ADAL" clId="{CAF122D9-8EBA-C846-9BA3-B8E3B97E9F94}" dt="2022-04-03T06:38:27.665" v="88" actId="2711"/>
+            <ac:spMkLst>
+              <pc:docMk/>
+              <pc:sldMasterMk cId="0" sldId="2147483648"/>
+              <pc:sldLayoutMk cId="0" sldId="2147483652"/>
+              <ac:spMk id="14" creationId="{00000000-0000-0000-0000-000000000000}"/>
+            </ac:spMkLst>
+          </pc:spChg>
+        </pc:sldLayoutChg>
+        <pc:sldLayoutChg chg="modSp">
+          <pc:chgData name="LIU, Qilong Kirov [Student]" userId="4507375a-4a4a-4dd8-b55f-c0bde07fc75c" providerId="ADAL" clId="{CAF122D9-8EBA-C846-9BA3-B8E3B97E9F94}" dt="2022-04-03T06:38:36.448" v="89" actId="2711"/>
+          <pc:sldLayoutMkLst>
+            <pc:docMk/>
+            <pc:sldMasterMk cId="0" sldId="2147483648"/>
+            <pc:sldLayoutMk cId="0" sldId="2147483653"/>
+          </pc:sldLayoutMkLst>
+          <pc:spChg chg="mod">
+            <ac:chgData name="LIU, Qilong Kirov [Student]" userId="4507375a-4a4a-4dd8-b55f-c0bde07fc75c" providerId="ADAL" clId="{CAF122D9-8EBA-C846-9BA3-B8E3B97E9F94}" dt="2022-04-03T06:38:36.448" v="89" actId="2711"/>
+            <ac:spMkLst>
+              <pc:docMk/>
+              <pc:sldMasterMk cId="0" sldId="2147483648"/>
+              <pc:sldLayoutMk cId="0" sldId="2147483653"/>
+              <ac:spMk id="5" creationId="{00000000-0000-0000-0000-000000000000}"/>
+            </ac:spMkLst>
+          </pc:spChg>
+        </pc:sldLayoutChg>
+      </pc:sldMasterChg>
+    </pc:docChg>
+  </pc:docChgLst>
+</pc:chgInfo>
 </file>
 
 <file path=ppt/handoutMasters/handoutMaster1.xml><?xml version="1.0" encoding="utf-8"?>
@@ -198,6 +412,7 @@
                 <a:latin typeface="微软雅黑" panose="020B0503020204020204" charset="-122"/>
                 <a:ea typeface="微软雅黑" panose="020B0503020204020204" charset="-122"/>
               </a:rPr>
+              <a:t>2022/4/3</a:t>
             </a:fld>
             <a:endParaRPr lang="zh-CN" altLang="en-US">
               <a:latin typeface="微软雅黑" panose="020B0503020204020204" charset="-122"/>
@@ -272,6 +487,7 @@
                 <a:latin typeface="微软雅黑" panose="020B0503020204020204" charset="-122"/>
                 <a:ea typeface="微软雅黑" panose="020B0503020204020204" charset="-122"/>
               </a:rPr>
+              <a:t>‹#›</a:t>
             </a:fld>
             <a:endParaRPr lang="zh-CN" altLang="en-US">
               <a:latin typeface="微软雅黑" panose="020B0503020204020204" charset="-122"/>
@@ -281,6 +497,11 @@
         </p:txBody>
       </p:sp>
     </p:spTree>
+    <p:extLst>
+      <p:ext uri="{BB962C8B-B14F-4D97-AF65-F5344CB8AC3E}">
+        <p14:creationId xmlns:p14="http://schemas.microsoft.com/office/powerpoint/2010/main" val="1"/>
+      </p:ext>
+    </p:extLst>
   </p:cSld>
   <p:clrMap bg1="lt1" tx1="dk1" bg2="lt2" tx2="dk2" accent1="accent1" accent2="accent2" accent3="accent3" accent4="accent4" accent5="accent5" accent6="accent6" hlink="hlink" folHlink="folHlink"/>
 </p:handoutMaster>
@@ -374,6 +595,7 @@
           <a:p>
             <a:fld id="{1AC49D05-6128-4D0D-A32A-06A5E73B386C}" type="datetimeFigureOut">
               <a:rPr lang="zh-CN" altLang="en-US" smtClean="0"/>
+              <a:t>2022/4/3</a:t>
             </a:fld>
             <a:endParaRPr lang="zh-CN" altLang="en-US"/>
           </a:p>
@@ -440,7 +662,6 @@
               <a:rPr lang="zh-CN" altLang="en-US"/>
               <a:t>单击此处编辑母版文本样式</a:t>
             </a:r>
-            <a:endParaRPr lang="zh-CN" altLang="en-US"/>
           </a:p>
           <a:p>
             <a:pPr lvl="1"/>
@@ -448,7 +669,6 @@
               <a:rPr lang="zh-CN" altLang="en-US"/>
               <a:t>第二级</a:t>
             </a:r>
-            <a:endParaRPr lang="zh-CN" altLang="en-US"/>
           </a:p>
           <a:p>
             <a:pPr lvl="2"/>
@@ -456,7 +676,6 @@
               <a:rPr lang="zh-CN" altLang="en-US"/>
               <a:t>第三级</a:t>
             </a:r>
-            <a:endParaRPr lang="zh-CN" altLang="en-US"/>
           </a:p>
           <a:p>
             <a:pPr lvl="3"/>
@@ -464,7 +683,6 @@
               <a:rPr lang="zh-CN" altLang="en-US"/>
               <a:t>第四级</a:t>
             </a:r>
-            <a:endParaRPr lang="zh-CN" altLang="en-US"/>
           </a:p>
           <a:p>
             <a:pPr lvl="4"/>
@@ -472,7 +690,6 @@
               <a:rPr lang="zh-CN" altLang="en-US"/>
               <a:t>第五级</a:t>
             </a:r>
-            <a:endParaRPr lang="zh-CN" altLang="en-US"/>
           </a:p>
         </p:txBody>
       </p:sp>
@@ -542,6 +759,7 @@
           <a:p>
             <a:fld id="{5849F42C-2DAE-424C-A4B8-3140182C3E9F}" type="slidenum">
               <a:rPr lang="zh-CN" altLang="en-US" smtClean="0"/>
+              <a:t>‹#›</a:t>
             </a:fld>
             <a:endParaRPr lang="zh-CN" altLang="en-US"/>
           </a:p>
@@ -670,7 +888,7 @@
         </p:nvSpPr>
         <p:spPr>
           <a:xfrm flipH="1">
-            <a:off x="-128905" y="-635"/>
+            <a:off x="-128270" y="3175"/>
             <a:ext cx="4961890" cy="6858635"/>
           </a:xfrm>
           <a:prstGeom prst="rect">
@@ -704,6 +922,7 @@
         </p:style>
         <p:txBody>
           <a:bodyPr rtlCol="0" anchor="ctr"/>
+          <a:lstStyle/>
           <a:p>
             <a:pPr algn="ctr"/>
             <a:endParaRPr lang="zh-CN" altLang="en-US"/>
@@ -726,7 +945,7 @@
         </p:blipFill>
         <p:spPr>
           <a:xfrm rot="540000">
-            <a:off x="-161290" y="5610225"/>
+            <a:off x="21590" y="5610225"/>
             <a:ext cx="3296920" cy="1838325"/>
           </a:xfrm>
           <a:prstGeom prst="rect">
@@ -757,7 +976,7 @@
         </p:blipFill>
         <p:spPr>
           <a:xfrm rot="540000">
-            <a:off x="90170" y="4784090"/>
+            <a:off x="147320" y="5024120"/>
             <a:ext cx="4711700" cy="2627630"/>
           </a:xfrm>
           <a:prstGeom prst="rect">
@@ -787,8 +1006,8 @@
           </a:stretch>
         </p:blipFill>
         <p:spPr>
-          <a:xfrm rot="540000">
-            <a:off x="525145" y="3639820"/>
+          <a:xfrm rot="604866">
+            <a:off x="537229" y="4119338"/>
             <a:ext cx="6078855" cy="3390900"/>
           </a:xfrm>
           <a:prstGeom prst="rect">
@@ -818,9 +1037,9 @@
           </a:stretch>
         </p:blipFill>
         <p:spPr>
-          <a:xfrm rot="480000">
-            <a:off x="1059815" y="2120900"/>
-            <a:ext cx="6878320" cy="4225290"/>
+          <a:xfrm rot="469810">
+            <a:off x="1045097" y="1943935"/>
+            <a:ext cx="8271111" cy="5574603"/>
           </a:xfrm>
           <a:prstGeom prst="rect">
             <a:avLst/>
@@ -912,8 +1131,8 @@
                 <a:solidFill>
                   <a:schemeClr val="bg1"/>
                 </a:solidFill>
-                <a:latin typeface="Times New Roman" panose="02020603050405020304" pitchFamily="18" charset="0"/>
-                <a:ea typeface="汉仪大宋简" panose="02010609000101010101" charset="-122"/>
+                <a:latin typeface="Songti TC" panose="02010600040101010101" pitchFamily="2" charset="-120"/>
+                <a:ea typeface="Songti TC" panose="02010600040101010101" pitchFamily="2" charset="-120"/>
                 <a:cs typeface="Times New Roman" panose="02020603050405020304" pitchFamily="18" charset="0"/>
               </a:defRPr>
             </a:lvl1pPr>
@@ -928,11 +1147,6 @@
               </a:rPr>
               <a:t>标题</a:t>
             </a:r>
-            <a:endParaRPr lang="zh-CN" altLang="en-US" sz="5400" dirty="0" err="1">
-              <a:latin typeface="汉仪大宋简" panose="02010609000101010101" charset="-122"/>
-              <a:ea typeface="汉仪大宋简" panose="02010609000101010101" charset="-122"/>
-              <a:cs typeface="汉仪大宋简" panose="02010609000101010101" charset="-122"/>
-            </a:endParaRPr>
           </a:p>
         </p:txBody>
       </p:sp>
@@ -1002,8 +1216,8 @@
                 <a:solidFill>
                   <a:schemeClr val="bg1"/>
                 </a:solidFill>
-                <a:latin typeface="Times New Roman" panose="02020603050405020304" pitchFamily="18" charset="0"/>
-                <a:ea typeface="汉仪大宋简" panose="02010609000101010101" charset="-122"/>
+                <a:latin typeface="Songti TC" panose="02010600040101010101" pitchFamily="2" charset="-120"/>
+                <a:ea typeface="Songti TC" panose="02010600040101010101" pitchFamily="2" charset="-120"/>
                 <a:cs typeface="Times New Roman" panose="02020603050405020304" pitchFamily="18" charset="0"/>
               </a:defRPr>
             </a:lvl1pPr>
@@ -1050,7 +1264,6 @@
               <a:rPr lang="zh-CN" altLang="en-US" dirty="0"/>
               <a:t>日期</a:t>
             </a:r>
-            <a:endParaRPr lang="zh-CN" altLang="en-US" dirty="0"/>
           </a:p>
         </p:txBody>
       </p:sp>
@@ -1132,7 +1345,6 @@
               <a:rPr lang="zh-CN" altLang="en-US" dirty="0"/>
               <a:t>摘要</a:t>
             </a:r>
-            <a:endParaRPr lang="zh-CN" altLang="en-US" dirty="0"/>
           </a:p>
         </p:txBody>
       </p:sp>
@@ -1228,22 +1440,13 @@
                     <a:solidFill>
                       <a:schemeClr val="bg1"/>
                     </a:solidFill>
-                    <a:latin typeface="Times New Roman" panose="02020603050405020304" pitchFamily="18" charset="0"/>
-                    <a:ea typeface="汉仪大宋简" panose="02010609000101010101" charset="-122"/>
+                    <a:latin typeface="Songti TC" panose="02010600040101010101" pitchFamily="2" charset="-120"/>
+                    <a:ea typeface="Songti TC" panose="02010600040101010101" pitchFamily="2" charset="-120"/>
                     <a:cs typeface="Times New Roman" panose="02020603050405020304" pitchFamily="18" charset="0"/>
                     <a:sym typeface="+mn-ea"/>
                   </a:rPr>
                   <a:t>集体学习汇报分享</a:t>
                 </a:r>
-                <a:endParaRPr lang="zh-CN" sz="2000">
-                  <a:solidFill>
-                    <a:schemeClr val="bg1"/>
-                  </a:solidFill>
-                  <a:latin typeface="Times New Roman" panose="02020603050405020304" pitchFamily="18" charset="0"/>
-                  <a:ea typeface="汉仪大宋简" panose="02010609000101010101" charset="-122"/>
-                  <a:cs typeface="Times New Roman" panose="02020603050405020304" pitchFamily="18" charset="0"/>
-                  <a:sym typeface="+mn-ea"/>
-                </a:endParaRPr>
               </a:p>
             </p:txBody>
           </p:sp>
@@ -1469,8 +1672,8 @@
                 <a:spcPts val="0"/>
               </a:spcAft>
               <a:defRPr spc="0">
-                <a:latin typeface="Times New Roman" panose="02020603050405020304" pitchFamily="18" charset="0"/>
-                <a:ea typeface="汉仪大宋简" panose="02010609000101010101" charset="-122"/>
+                <a:latin typeface="Songti TC" panose="02010600040101010101" pitchFamily="2" charset="-120"/>
+                <a:ea typeface="Songti TC" panose="02010600040101010101" pitchFamily="2" charset="-120"/>
                 <a:cs typeface="Times New Roman" panose="02020603050405020304" pitchFamily="18" charset="0"/>
               </a:defRPr>
             </a:lvl1pPr>
@@ -1517,7 +1720,6 @@
               <a:rPr lang="zh-CN" altLang="en-US" dirty="0"/>
               <a:t>HEADER</a:t>
             </a:r>
-            <a:endParaRPr lang="zh-CN" altLang="en-US" dirty="0"/>
           </a:p>
         </p:txBody>
       </p:sp>
@@ -1743,8 +1945,8 @@
                 <a:solidFill>
                   <a:schemeClr val="bg1"/>
                 </a:solidFill>
-                <a:latin typeface="Times New Roman" panose="02020603050405020304" pitchFamily="18" charset="0"/>
-                <a:ea typeface="汉仪大宋简" panose="02010609000101010101" charset="-122"/>
+                <a:latin typeface="Songti TC" panose="02010600040101010101" pitchFamily="2" charset="-120"/>
+                <a:ea typeface="Songti TC" panose="02010600040101010101" pitchFamily="2" charset="-120"/>
                 <a:cs typeface="Times New Roman" panose="02020603050405020304" pitchFamily="18" charset="0"/>
               </a:defRPr>
             </a:lvl1pPr>
@@ -1985,7 +2187,7 @@
     <p:bldLst>
       <p:bldP spid="4" grpId="0" bldLvl="0" animBg="1"/>
       <p:bldP spid="4" grpId="1" animBg="1"/>
-      <p:bldP spid="5" grpId="0" bldLvl="0" build="allAtOnce">
+      <p:bldP spid="5" grpId="0" build="allAtOnce" bldLvl="0">
         <p:tmplLst>
           <p:tmpl lvl="1">
             <p:tnLst>
@@ -1999,11 +2201,7 @@
                       <p:cBhvr>
                         <p:cTn dur="2000" fill="hold"/>
                         <p:tgtEl>
-                          <p:spTgt spid="5">
-                            <p:txEl>
-                              <p:pRg st="0" end="0"/>
-                            </p:txEl>
-                          </p:spTgt>
+                          <p:spTgt spid="5"/>
                         </p:tgtEl>
                         <p:attrNameLst>
                           <p:attrName>ppt_x</p:attrName>
@@ -2264,8 +2462,8 @@
                   <a:schemeClr val="bg1"/>
                 </a:solidFill>
                 <a:effectLst/>
-                <a:latin typeface="Times New Roman" panose="02020603050405020304" pitchFamily="18" charset="0"/>
-                <a:ea typeface="汉仪大宋简" panose="02010609000101010101" charset="-122"/>
+                <a:latin typeface="Songti TC" panose="02010600040101010101" pitchFamily="2" charset="-120"/>
+                <a:ea typeface="Songti TC" panose="02010600040101010101" pitchFamily="2" charset="-120"/>
                 <a:cs typeface="Times New Roman" panose="02020603050405020304" pitchFamily="18" charset="0"/>
               </a:defRPr>
             </a:lvl1pPr>
@@ -2363,8 +2561,8 @@
                 <a:spcPts val="0"/>
               </a:spcAft>
               <a:defRPr spc="0">
-                <a:latin typeface="Times New Roman" panose="02020603050405020304" pitchFamily="18" charset="0"/>
-                <a:ea typeface="汉仪大宋简" panose="02010609000101010101" charset="-122"/>
+                <a:latin typeface="Songti TC" panose="02010600040101010101" pitchFamily="2" charset="-120"/>
+                <a:ea typeface="Songti TC" panose="02010600040101010101" pitchFamily="2" charset="-120"/>
                 <a:cs typeface="Times New Roman" panose="02020603050405020304" pitchFamily="18" charset="0"/>
               </a:defRPr>
             </a:lvl1pPr>
@@ -2411,7 +2609,6 @@
               <a:rPr lang="zh-CN" altLang="en-US" dirty="0"/>
               <a:t>HEADER</a:t>
             </a:r>
-            <a:endParaRPr lang="zh-CN" altLang="en-US" dirty="0"/>
           </a:p>
         </p:txBody>
       </p:sp>
@@ -2585,7 +2782,7 @@
     <p:bldLst>
       <p:bldP spid="2" grpId="0" bldLvl="0" animBg="1"/>
       <p:bldP spid="2" grpId="1" animBg="1"/>
-      <p:bldP spid="9" grpId="0" bldLvl="0" build="allAtOnce">
+      <p:bldP spid="9" grpId="0" build="allAtOnce" bldLvl="0">
         <p:tmplLst>
           <p:tmpl lvl="1">
             <p:tnLst>
@@ -2712,7 +2909,6 @@
               <a:rPr lang="zh-CN" altLang="en-US" dirty="0"/>
               <a:t>TEXT</a:t>
             </a:r>
-            <a:endParaRPr lang="zh-CN" altLang="en-US" dirty="0"/>
           </a:p>
         </p:txBody>
       </p:sp>
@@ -2743,8 +2939,8 @@
                 <a:spcPts val="0"/>
               </a:spcAft>
               <a:defRPr spc="0">
-                <a:latin typeface="Times New Roman" panose="02020603050405020304" pitchFamily="18" charset="0"/>
-                <a:ea typeface="汉仪大宋简" panose="02010609000101010101" charset="-122"/>
+                <a:latin typeface="Songti TC" panose="02010600040101010101" pitchFamily="2" charset="-120"/>
+                <a:ea typeface="Songti TC" panose="02010600040101010101" pitchFamily="2" charset="-120"/>
                 <a:cs typeface="Times New Roman" panose="02020603050405020304" pitchFamily="18" charset="0"/>
               </a:defRPr>
             </a:lvl1pPr>
@@ -2791,7 +2987,6 @@
               <a:rPr lang="zh-CN" altLang="en-US" dirty="0"/>
               <a:t>HEADER</a:t>
             </a:r>
-            <a:endParaRPr lang="zh-CN" altLang="en-US" dirty="0"/>
           </a:p>
         </p:txBody>
       </p:sp>
@@ -2864,120 +3059,6 @@
   <p:clrMapOvr>
     <a:masterClrMapping/>
   </p:clrMapOvr>
-  <p:timing>
-    <p:tnLst>
-      <p:par>
-        <p:cTn id="1" dur="indefinite" restart="never" nodeType="tmRoot"/>
-      </p:par>
-    </p:tnLst>
-    <p:bldLst>
-      <p:bldP spid="10" grpId="1" build="p">
-        <p:tmplLst>
-          <p:tmpl lvl="1">
-            <p:tnLst>
-              <p:par>
-                <p:cTn presetID="42" presetClass="exit" presetSubtype="0" fill="hold" nodeType="clickEffect">
-                  <p:stCondLst>
-                    <p:cond delay="0"/>
-                  </p:stCondLst>
-                  <p:childTnLst>
-                    <p:animEffect transition="out" filter="fade">
-                      <p:cBhvr>
-                        <p:cTn dur="1000"/>
-                        <p:tgtEl>
-                          <p:spTgt spid="10">
-                            <p:txEl>
-                              <p:pRg st="0" end="0"/>
-                            </p:txEl>
-                          </p:spTgt>
-                        </p:tgtEl>
-                      </p:cBhvr>
-                    </p:animEffect>
-                    <p:anim calcmode="lin" valueType="num">
-                      <p:cBhvr>
-                        <p:cTn dur="1000"/>
-                        <p:tgtEl>
-                          <p:spTgt spid="10">
-                            <p:txEl>
-                              <p:pRg st="0" end="0"/>
-                            </p:txEl>
-                          </p:spTgt>
-                        </p:tgtEl>
-                        <p:attrNameLst>
-                          <p:attrName>ppt_x</p:attrName>
-                        </p:attrNameLst>
-                      </p:cBhvr>
-                      <p:tavLst>
-                        <p:tav tm="0">
-                          <p:val>
-                            <p:strVal val="ppt_x"/>
-                          </p:val>
-                        </p:tav>
-                        <p:tav tm="100000">
-                          <p:val>
-                            <p:strVal val="ppt_x"/>
-                          </p:val>
-                        </p:tav>
-                      </p:tavLst>
-                    </p:anim>
-                    <p:anim calcmode="lin" valueType="num">
-                      <p:cBhvr>
-                        <p:cTn dur="1000"/>
-                        <p:tgtEl>
-                          <p:spTgt spid="10">
-                            <p:txEl>
-                              <p:pRg st="0" end="0"/>
-                            </p:txEl>
-                          </p:spTgt>
-                        </p:tgtEl>
-                        <p:attrNameLst>
-                          <p:attrName>ppt_y</p:attrName>
-                        </p:attrNameLst>
-                      </p:cBhvr>
-                      <p:tavLst>
-                        <p:tav tm="0">
-                          <p:val>
-                            <p:strVal val="ppt_y"/>
-                          </p:val>
-                        </p:tav>
-                        <p:tav tm="100000">
-                          <p:val>
-                            <p:strVal val="ppt_y+.1"/>
-                          </p:val>
-                        </p:tav>
-                      </p:tavLst>
-                    </p:anim>
-                    <p:set>
-                      <p:cBhvr>
-                        <p:cTn dur="1" fill="hold">
-                          <p:stCondLst>
-                            <p:cond delay="999"/>
-                          </p:stCondLst>
-                        </p:cTn>
-                        <p:tgtEl>
-                          <p:spTgt spid="10">
-                            <p:txEl>
-                              <p:pRg st="0" end="0"/>
-                            </p:txEl>
-                          </p:spTgt>
-                        </p:tgtEl>
-                        <p:attrNameLst>
-                          <p:attrName>style.visibility</p:attrName>
-                        </p:attrNameLst>
-                      </p:cBhvr>
-                      <p:to>
-                        <p:strVal val="hidden"/>
-                      </p:to>
-                    </p:set>
-                  </p:childTnLst>
-                </p:cTn>
-              </p:par>
-            </p:tnLst>
-          </p:tmpl>
-        </p:tmplLst>
-      </p:bldP>
-    </p:bldLst>
-  </p:timing>
 </p:sldLayout>
 </file>
 
@@ -3025,8 +3106,8 @@
                 <a:spcPts val="0"/>
               </a:spcAft>
               <a:defRPr spc="0">
-                <a:latin typeface="Times New Roman" panose="02020603050405020304" pitchFamily="18" charset="0"/>
-                <a:ea typeface="汉仪大宋简" panose="02010609000101010101" charset="-122"/>
+                <a:latin typeface="Songti TC" panose="02010600040101010101" pitchFamily="2" charset="-120"/>
+                <a:ea typeface="Songti TC" panose="02010600040101010101" pitchFamily="2" charset="-120"/>
                 <a:cs typeface="Times New Roman" panose="02020603050405020304" pitchFamily="18" charset="0"/>
               </a:defRPr>
             </a:lvl1pPr>
@@ -3073,7 +3154,6 @@
               <a:rPr lang="zh-CN" altLang="en-US" dirty="0"/>
               <a:t>HEADER</a:t>
             </a:r>
-            <a:endParaRPr lang="zh-CN" altLang="en-US" dirty="0"/>
           </a:p>
         </p:txBody>
       </p:sp>
@@ -3152,7 +3232,6 @@
               <a:rPr lang="zh-CN" altLang="en-US" dirty="0"/>
               <a:t>Legend</a:t>
             </a:r>
-            <a:endParaRPr lang="zh-CN" altLang="en-US" dirty="0"/>
           </a:p>
         </p:txBody>
       </p:sp>
@@ -3231,7 +3310,6 @@
               <a:rPr lang="zh-CN" altLang="en-US" dirty="0"/>
               <a:t>TEXT</a:t>
             </a:r>
-            <a:endParaRPr lang="zh-CN" altLang="en-US" dirty="0"/>
           </a:p>
         </p:txBody>
       </p:sp>
@@ -3289,28 +3367,24 @@
               <a:rPr lang="zh-CN" altLang="en-US" dirty="0"/>
               <a:t>PLEASE</a:t>
             </a:r>
-            <a:endParaRPr lang="zh-CN" altLang="en-US" dirty="0"/>
           </a:p>
           <a:p>
             <a:r>
               <a:rPr lang="zh-CN" altLang="en-US" dirty="0"/>
               <a:t>INSERT</a:t>
             </a:r>
-            <a:endParaRPr lang="zh-CN" altLang="en-US" dirty="0"/>
           </a:p>
           <a:p>
             <a:r>
               <a:rPr lang="zh-CN" altLang="en-US" dirty="0"/>
               <a:t>IMAGE</a:t>
             </a:r>
-            <a:endParaRPr lang="zh-CN" altLang="en-US" dirty="0"/>
           </a:p>
           <a:p>
             <a:r>
               <a:rPr lang="zh-CN" altLang="en-US" dirty="0"/>
               <a:t>HERE</a:t>
             </a:r>
-            <a:endParaRPr lang="zh-CN" altLang="en-US" dirty="0"/>
           </a:p>
         </p:txBody>
       </p:sp>
@@ -3442,6 +3516,7 @@
         </p:style>
         <p:txBody>
           <a:bodyPr rtlCol="0" anchor="ctr"/>
+          <a:lstStyle/>
           <a:p>
             <a:pPr algn="ctr"/>
             <a:endParaRPr lang="zh-CN" altLang="en-US"/>
@@ -3502,13 +3577,6 @@
   <p:clrMapOvr>
     <a:masterClrMapping/>
   </p:clrMapOvr>
-  <p:timing>
-    <p:tnLst>
-      <p:par>
-        <p:cTn id="1" dur="indefinite" restart="never" nodeType="tmRoot"/>
-      </p:par>
-    </p:tnLst>
-  </p:timing>
 </p:sldLayout>
 </file>
 
@@ -3551,6 +3619,7 @@
           <a:p>
             <a:fld id="{82F288E0-7875-42C4-84C8-98DBBD3BF4D2}" type="datetimeFigureOut">
               <a:rPr lang="zh-CN" altLang="en-US" smtClean="0"/>
+              <a:t>2022/4/3</a:t>
             </a:fld>
             <a:endParaRPr lang="zh-CN" altLang="en-US"/>
           </a:p>
@@ -3602,6 +3671,7 @@
           <a:p>
             <a:fld id="{7D9BB5D0-35E4-459D-AEF3-FE4D7C45CC19}" type="slidenum">
               <a:rPr lang="zh-CN" altLang="en-US" smtClean="0"/>
+              <a:t>‹#›</a:t>
             </a:fld>
             <a:endParaRPr lang="zh-CN" altLang="en-US"/>
           </a:p>
@@ -3654,7 +3724,7 @@
           <p:cNvSpPr/>
           <p:nvPr>
             <p:custDataLst>
-              <p:tags r:id="rId8"/>
+              <p:tags r:id="rId9"/>
             </p:custDataLst>
           </p:nvPr>
         </p:nvSpPr>
@@ -4012,7 +4082,7 @@
 </file>
 
 <file path=ppt/tags/tag1.xml><?xml version="1.0" encoding="utf-8"?>
-<p:tagLst xmlns:p="http://schemas.openxmlformats.org/presentationml/2006/main">
+<p:tagLst xmlns:a="http://schemas.openxmlformats.org/drawingml/2006/main" xmlns:r="http://schemas.openxmlformats.org/officeDocument/2006/relationships" xmlns:p="http://schemas.openxmlformats.org/presentationml/2006/main">
   <p:tag name="KSO_WM_TEMPLATE_THUMBS_INDEX" val="1、2、3、6、8、10、11、12、15"/>
   <p:tag name="KSO_WM_TEMPLATE_SUBCATEGORY" val="0"/>
   <p:tag name="KSO_WM_TAG_VERSION" val="1.0"/>
@@ -4213,6 +4283,8 @@
       </a:bgFillStyleLst>
     </a:fmtScheme>
   </a:themeElements>
+  <a:objectDefaults/>
+  <a:extraClrSchemeLst/>
   <a:extLst>
     <a:ext uri="{05A4C25C-085E-4340-85A3-A5531E510DB2}">
       <thm15:themeFamily xmlns:thm15="http://schemas.microsoft.com/office/thememl/2012/main" name="Office Theme" id="{62F939B6-93AF-4DB8-9C6B-D6C7DFDC589F}" vid="{4A3C46E8-61CC-4603-A589-7422A47A8E4A}"/>
@@ -4472,6 +4544,8 @@
       </a:bgFillStyleLst>
     </a:fmtScheme>
   </a:themeElements>
+  <a:objectDefaults/>
+  <a:extraClrSchemeLst/>
   <a:extLst>
     <a:ext uri="{05A4C25C-085E-4340-85A3-A5531E510DB2}">
       <thm15:themeFamily xmlns:thm15="http://schemas.microsoft.com/office/thememl/2012/main" name="Office Theme" id="{62F939B6-93AF-4DB8-9C6B-D6C7DFDC589F}" vid="{4A3C46E8-61CC-4603-A589-7422A47A8E4A}"/>
@@ -4731,6 +4805,8 @@
       </a:bgFillStyleLst>
     </a:fmtScheme>
   </a:themeElements>
+  <a:objectDefaults/>
+  <a:extraClrSchemeLst/>
   <a:extLst>
     <a:ext uri="{05A4C25C-085E-4340-85A3-A5531E510DB2}">
       <thm15:themeFamily xmlns:thm15="http://schemas.microsoft.com/office/thememl/2012/main" name="Office Theme" id="{62F939B6-93AF-4DB8-9C6B-D6C7DFDC589F}" vid="{4A3C46E8-61CC-4603-A589-7422A47A8E4A}"/>
